--- a/speech.pptx
+++ b/speech.pptx
@@ -4,6 +4,9 @@
   <p:sldMasterIdLst>
     <p:sldMasterId id="2147483699" r:id="rId1"/>
   </p:sldMasterIdLst>
+  <p:notesMasterIdLst>
+    <p:notesMasterId r:id="rId4"/>
+  </p:notesMasterIdLst>
   <p:sldIdLst>
     <p:sldId id="256" r:id="rId2"/>
     <p:sldId id="257" r:id="rId3"/>
@@ -105,7 +108,448 @@
       </a:defRPr>
     </a:lvl9pPr>
   </p:defaultTextStyle>
+  <p:extLst>
+    <p:ext uri="{EFAFB233-063F-42B5-8137-9DF3F51BA10A}">
+      <p15:sldGuideLst xmlns:p15="http://schemas.microsoft.com/office/powerpoint/2012/main"/>
+    </p:ext>
+  </p:extLst>
 </p:presentation>
+</file>
+
+<file path=ppt/notesMasters/notesMaster1.xml><?xml version="1.0" encoding="utf-8"?>
+<p:notesMaster xmlns:a="http://schemas.openxmlformats.org/drawingml/2006/main" xmlns:r="http://schemas.openxmlformats.org/officeDocument/2006/relationships" xmlns:p="http://schemas.openxmlformats.org/presentationml/2006/main">
+  <p:cSld>
+    <p:bg>
+      <p:bgRef idx="1001">
+        <a:schemeClr val="bg1"/>
+      </p:bgRef>
+    </p:bg>
+    <p:spTree>
+      <p:nvGrpSpPr>
+        <p:cNvPr id="1" name=""/>
+        <p:cNvGrpSpPr/>
+        <p:nvPr/>
+      </p:nvGrpSpPr>
+      <p:grpSpPr>
+        <a:xfrm>
+          <a:off x="0" y="0"/>
+          <a:ext cx="0" cy="0"/>
+          <a:chOff x="0" y="0"/>
+          <a:chExt cx="0" cy="0"/>
+        </a:xfrm>
+      </p:grpSpPr>
+      <p:sp>
+        <p:nvSpPr>
+          <p:cNvPr id="2" name="Header Placeholder 1"/>
+          <p:cNvSpPr>
+            <a:spLocks noGrp="1"/>
+          </p:cNvSpPr>
+          <p:nvPr>
+            <p:ph type="hdr" sz="quarter"/>
+          </p:nvPr>
+        </p:nvSpPr>
+        <p:spPr>
+          <a:xfrm>
+            <a:off x="0" y="0"/>
+            <a:ext cx="2971800" cy="458788"/>
+          </a:xfrm>
+          <a:prstGeom prst="rect">
+            <a:avLst/>
+          </a:prstGeom>
+        </p:spPr>
+        <p:txBody>
+          <a:bodyPr vert="horz" lIns="91440" tIns="45720" rIns="91440" bIns="45720" rtlCol="0"/>
+          <a:lstStyle>
+            <a:lvl1pPr algn="l">
+              <a:defRPr sz="1200"/>
+            </a:lvl1pPr>
+          </a:lstStyle>
+          <a:p>
+            <a:endParaRPr lang="en-US"/>
+          </a:p>
+        </p:txBody>
+      </p:sp>
+      <p:sp>
+        <p:nvSpPr>
+          <p:cNvPr id="3" name="Date Placeholder 2"/>
+          <p:cNvSpPr>
+            <a:spLocks noGrp="1"/>
+          </p:cNvSpPr>
+          <p:nvPr>
+            <p:ph type="dt" idx="1"/>
+          </p:nvPr>
+        </p:nvSpPr>
+        <p:spPr>
+          <a:xfrm>
+            <a:off x="3884613" y="0"/>
+            <a:ext cx="2971800" cy="458788"/>
+          </a:xfrm>
+          <a:prstGeom prst="rect">
+            <a:avLst/>
+          </a:prstGeom>
+        </p:spPr>
+        <p:txBody>
+          <a:bodyPr vert="horz" lIns="91440" tIns="45720" rIns="91440" bIns="45720" rtlCol="0"/>
+          <a:lstStyle>
+            <a:lvl1pPr algn="r">
+              <a:defRPr sz="1200"/>
+            </a:lvl1pPr>
+          </a:lstStyle>
+          <a:p>
+            <a:fld id="{C3188352-CF1D-C24E-9DD3-C33C027999E7}" type="datetimeFigureOut">
+              <a:rPr lang="en-US" smtClean="0"/>
+              <a:t>11/30/22</a:t>
+            </a:fld>
+            <a:endParaRPr lang="en-US"/>
+          </a:p>
+        </p:txBody>
+      </p:sp>
+      <p:sp>
+        <p:nvSpPr>
+          <p:cNvPr id="4" name="Slide Image Placeholder 3"/>
+          <p:cNvSpPr>
+            <a:spLocks noGrp="1" noRot="1" noChangeAspect="1"/>
+          </p:cNvSpPr>
+          <p:nvPr>
+            <p:ph type="sldImg" idx="2"/>
+          </p:nvPr>
+        </p:nvSpPr>
+        <p:spPr>
+          <a:xfrm>
+            <a:off x="685800" y="1143000"/>
+            <a:ext cx="5486400" cy="3086100"/>
+          </a:xfrm>
+          <a:prstGeom prst="rect">
+            <a:avLst/>
+          </a:prstGeom>
+          <a:noFill/>
+          <a:ln w="12700">
+            <a:solidFill>
+              <a:prstClr val="black"/>
+            </a:solidFill>
+          </a:ln>
+        </p:spPr>
+        <p:txBody>
+          <a:bodyPr vert="horz" lIns="91440" tIns="45720" rIns="91440" bIns="45720" rtlCol="0" anchor="ctr"/>
+          <a:lstStyle/>
+          <a:p>
+            <a:endParaRPr lang="en-US"/>
+          </a:p>
+        </p:txBody>
+      </p:sp>
+      <p:sp>
+        <p:nvSpPr>
+          <p:cNvPr id="5" name="Notes Placeholder 4"/>
+          <p:cNvSpPr>
+            <a:spLocks noGrp="1"/>
+          </p:cNvSpPr>
+          <p:nvPr>
+            <p:ph type="body" sz="quarter" idx="3"/>
+          </p:nvPr>
+        </p:nvSpPr>
+        <p:spPr>
+          <a:xfrm>
+            <a:off x="685800" y="4400550"/>
+            <a:ext cx="5486400" cy="3600450"/>
+          </a:xfrm>
+          <a:prstGeom prst="rect">
+            <a:avLst/>
+          </a:prstGeom>
+        </p:spPr>
+        <p:txBody>
+          <a:bodyPr vert="horz" lIns="91440" tIns="45720" rIns="91440" bIns="45720" rtlCol="0"/>
+          <a:lstStyle/>
+          <a:p>
+            <a:pPr lvl="0"/>
+            <a:r>
+              <a:rPr lang="en-US"/>
+              <a:t>Click to edit Master text styles</a:t>
+            </a:r>
+          </a:p>
+          <a:p>
+            <a:pPr lvl="1"/>
+            <a:r>
+              <a:rPr lang="en-US"/>
+              <a:t>Second level</a:t>
+            </a:r>
+          </a:p>
+          <a:p>
+            <a:pPr lvl="2"/>
+            <a:r>
+              <a:rPr lang="en-US"/>
+              <a:t>Third level</a:t>
+            </a:r>
+          </a:p>
+          <a:p>
+            <a:pPr lvl="3"/>
+            <a:r>
+              <a:rPr lang="en-US"/>
+              <a:t>Fourth level</a:t>
+            </a:r>
+          </a:p>
+          <a:p>
+            <a:pPr lvl="4"/>
+            <a:r>
+              <a:rPr lang="en-US"/>
+              <a:t>Fifth level</a:t>
+            </a:r>
+          </a:p>
+        </p:txBody>
+      </p:sp>
+      <p:sp>
+        <p:nvSpPr>
+          <p:cNvPr id="6" name="Footer Placeholder 5"/>
+          <p:cNvSpPr>
+            <a:spLocks noGrp="1"/>
+          </p:cNvSpPr>
+          <p:nvPr>
+            <p:ph type="ftr" sz="quarter" idx="4"/>
+          </p:nvPr>
+        </p:nvSpPr>
+        <p:spPr>
+          <a:xfrm>
+            <a:off x="0" y="8685213"/>
+            <a:ext cx="2971800" cy="458787"/>
+          </a:xfrm>
+          <a:prstGeom prst="rect">
+            <a:avLst/>
+          </a:prstGeom>
+        </p:spPr>
+        <p:txBody>
+          <a:bodyPr vert="horz" lIns="91440" tIns="45720" rIns="91440" bIns="45720" rtlCol="0" anchor="b"/>
+          <a:lstStyle>
+            <a:lvl1pPr algn="l">
+              <a:defRPr sz="1200"/>
+            </a:lvl1pPr>
+          </a:lstStyle>
+          <a:p>
+            <a:endParaRPr lang="en-US"/>
+          </a:p>
+        </p:txBody>
+      </p:sp>
+      <p:sp>
+        <p:nvSpPr>
+          <p:cNvPr id="7" name="Slide Number Placeholder 6"/>
+          <p:cNvSpPr>
+            <a:spLocks noGrp="1"/>
+          </p:cNvSpPr>
+          <p:nvPr>
+            <p:ph type="sldNum" sz="quarter" idx="5"/>
+          </p:nvPr>
+        </p:nvSpPr>
+        <p:spPr>
+          <a:xfrm>
+            <a:off x="3884613" y="8685213"/>
+            <a:ext cx="2971800" cy="458787"/>
+          </a:xfrm>
+          <a:prstGeom prst="rect">
+            <a:avLst/>
+          </a:prstGeom>
+        </p:spPr>
+        <p:txBody>
+          <a:bodyPr vert="horz" lIns="91440" tIns="45720" rIns="91440" bIns="45720" rtlCol="0" anchor="b"/>
+          <a:lstStyle>
+            <a:lvl1pPr algn="r">
+              <a:defRPr sz="1200"/>
+            </a:lvl1pPr>
+          </a:lstStyle>
+          <a:p>
+            <a:fld id="{90B408FF-E159-1E4B-A064-8694A619B85A}" type="slidenum">
+              <a:rPr lang="en-US" smtClean="0"/>
+              <a:t>‹#›</a:t>
+            </a:fld>
+            <a:endParaRPr lang="en-US"/>
+          </a:p>
+        </p:txBody>
+      </p:sp>
+    </p:spTree>
+    <p:extLst>
+      <p:ext uri="{BB962C8B-B14F-4D97-AF65-F5344CB8AC3E}">
+        <p14:creationId xmlns:p14="http://schemas.microsoft.com/office/powerpoint/2010/main" val="1363831855"/>
+      </p:ext>
+    </p:extLst>
+  </p:cSld>
+  <p:clrMap bg1="lt1" tx1="dk1" bg2="lt2" tx2="dk2" accent1="accent1" accent2="accent2" accent3="accent3" accent4="accent4" accent5="accent5" accent6="accent6" hlink="hlink" folHlink="folHlink"/>
+  <p:notesStyle>
+    <a:lvl1pPr marL="0" algn="l" defTabSz="914400" rtl="0" eaLnBrk="1" latinLnBrk="0" hangingPunct="1">
+      <a:defRPr sz="1200" kern="1200">
+        <a:solidFill>
+          <a:schemeClr val="tx1"/>
+        </a:solidFill>
+        <a:latin typeface="+mn-lt"/>
+        <a:ea typeface="+mn-ea"/>
+        <a:cs typeface="+mn-cs"/>
+      </a:defRPr>
+    </a:lvl1pPr>
+    <a:lvl2pPr marL="457200" algn="l" defTabSz="914400" rtl="0" eaLnBrk="1" latinLnBrk="0" hangingPunct="1">
+      <a:defRPr sz="1200" kern="1200">
+        <a:solidFill>
+          <a:schemeClr val="tx1"/>
+        </a:solidFill>
+        <a:latin typeface="+mn-lt"/>
+        <a:ea typeface="+mn-ea"/>
+        <a:cs typeface="+mn-cs"/>
+      </a:defRPr>
+    </a:lvl2pPr>
+    <a:lvl3pPr marL="914400" algn="l" defTabSz="914400" rtl="0" eaLnBrk="1" latinLnBrk="0" hangingPunct="1">
+      <a:defRPr sz="1200" kern="1200">
+        <a:solidFill>
+          <a:schemeClr val="tx1"/>
+        </a:solidFill>
+        <a:latin typeface="+mn-lt"/>
+        <a:ea typeface="+mn-ea"/>
+        <a:cs typeface="+mn-cs"/>
+      </a:defRPr>
+    </a:lvl3pPr>
+    <a:lvl4pPr marL="1371600" algn="l" defTabSz="914400" rtl="0" eaLnBrk="1" latinLnBrk="0" hangingPunct="1">
+      <a:defRPr sz="1200" kern="1200">
+        <a:solidFill>
+          <a:schemeClr val="tx1"/>
+        </a:solidFill>
+        <a:latin typeface="+mn-lt"/>
+        <a:ea typeface="+mn-ea"/>
+        <a:cs typeface="+mn-cs"/>
+      </a:defRPr>
+    </a:lvl4pPr>
+    <a:lvl5pPr marL="1828800" algn="l" defTabSz="914400" rtl="0" eaLnBrk="1" latinLnBrk="0" hangingPunct="1">
+      <a:defRPr sz="1200" kern="1200">
+        <a:solidFill>
+          <a:schemeClr val="tx1"/>
+        </a:solidFill>
+        <a:latin typeface="+mn-lt"/>
+        <a:ea typeface="+mn-ea"/>
+        <a:cs typeface="+mn-cs"/>
+      </a:defRPr>
+    </a:lvl5pPr>
+    <a:lvl6pPr marL="2286000" algn="l" defTabSz="914400" rtl="0" eaLnBrk="1" latinLnBrk="0" hangingPunct="1">
+      <a:defRPr sz="1200" kern="1200">
+        <a:solidFill>
+          <a:schemeClr val="tx1"/>
+        </a:solidFill>
+        <a:latin typeface="+mn-lt"/>
+        <a:ea typeface="+mn-ea"/>
+        <a:cs typeface="+mn-cs"/>
+      </a:defRPr>
+    </a:lvl6pPr>
+    <a:lvl7pPr marL="2743200" algn="l" defTabSz="914400" rtl="0" eaLnBrk="1" latinLnBrk="0" hangingPunct="1">
+      <a:defRPr sz="1200" kern="1200">
+        <a:solidFill>
+          <a:schemeClr val="tx1"/>
+        </a:solidFill>
+        <a:latin typeface="+mn-lt"/>
+        <a:ea typeface="+mn-ea"/>
+        <a:cs typeface="+mn-cs"/>
+      </a:defRPr>
+    </a:lvl7pPr>
+    <a:lvl8pPr marL="3200400" algn="l" defTabSz="914400" rtl="0" eaLnBrk="1" latinLnBrk="0" hangingPunct="1">
+      <a:defRPr sz="1200" kern="1200">
+        <a:solidFill>
+          <a:schemeClr val="tx1"/>
+        </a:solidFill>
+        <a:latin typeface="+mn-lt"/>
+        <a:ea typeface="+mn-ea"/>
+        <a:cs typeface="+mn-cs"/>
+      </a:defRPr>
+    </a:lvl8pPr>
+    <a:lvl9pPr marL="3657600" algn="l" defTabSz="914400" rtl="0" eaLnBrk="1" latinLnBrk="0" hangingPunct="1">
+      <a:defRPr sz="1200" kern="1200">
+        <a:solidFill>
+          <a:schemeClr val="tx1"/>
+        </a:solidFill>
+        <a:latin typeface="+mn-lt"/>
+        <a:ea typeface="+mn-ea"/>
+        <a:cs typeface="+mn-cs"/>
+      </a:defRPr>
+    </a:lvl9pPr>
+  </p:notesStyle>
+</p:notesMaster>
+</file>
+
+<file path=ppt/notesSlides/notesSlide1.xml><?xml version="1.0" encoding="utf-8"?>
+<p:notes xmlns:a="http://schemas.openxmlformats.org/drawingml/2006/main" xmlns:r="http://schemas.openxmlformats.org/officeDocument/2006/relationships" xmlns:p="http://schemas.openxmlformats.org/presentationml/2006/main">
+  <p:cSld>
+    <p:spTree>
+      <p:nvGrpSpPr>
+        <p:cNvPr id="1" name=""/>
+        <p:cNvGrpSpPr/>
+        <p:nvPr/>
+      </p:nvGrpSpPr>
+      <p:grpSpPr>
+        <a:xfrm>
+          <a:off x="0" y="0"/>
+          <a:ext cx="0" cy="0"/>
+          <a:chOff x="0" y="0"/>
+          <a:chExt cx="0" cy="0"/>
+        </a:xfrm>
+      </p:grpSpPr>
+      <p:sp>
+        <p:nvSpPr>
+          <p:cNvPr id="2" name="Slide Image Placeholder 1"/>
+          <p:cNvSpPr>
+            <a:spLocks noGrp="1" noRot="1" noChangeAspect="1"/>
+          </p:cNvSpPr>
+          <p:nvPr>
+            <p:ph type="sldImg"/>
+          </p:nvPr>
+        </p:nvSpPr>
+        <p:spPr/>
+      </p:sp>
+      <p:sp>
+        <p:nvSpPr>
+          <p:cNvPr id="3" name="Notes Placeholder 2"/>
+          <p:cNvSpPr>
+            <a:spLocks noGrp="1"/>
+          </p:cNvSpPr>
+          <p:nvPr>
+            <p:ph type="body" idx="1"/>
+          </p:nvPr>
+        </p:nvSpPr>
+        <p:spPr/>
+        <p:txBody>
+          <a:bodyPr/>
+          <a:lstStyle/>
+          <a:p>
+            <a:r>
+              <a:rPr lang="en-US"/>
+              <a:t>8 mins</a:t>
+            </a:r>
+          </a:p>
+        </p:txBody>
+      </p:sp>
+      <p:sp>
+        <p:nvSpPr>
+          <p:cNvPr id="4" name="Slide Number Placeholder 3"/>
+          <p:cNvSpPr>
+            <a:spLocks noGrp="1"/>
+          </p:cNvSpPr>
+          <p:nvPr>
+            <p:ph type="sldNum" sz="quarter" idx="5"/>
+          </p:nvPr>
+        </p:nvSpPr>
+        <p:spPr/>
+        <p:txBody>
+          <a:bodyPr/>
+          <a:lstStyle/>
+          <a:p>
+            <a:fld id="{90B408FF-E159-1E4B-A064-8694A619B85A}" type="slidenum">
+              <a:rPr lang="en-US" smtClean="0"/>
+              <a:t>1</a:t>
+            </a:fld>
+            <a:endParaRPr lang="en-US"/>
+          </a:p>
+        </p:txBody>
+      </p:sp>
+    </p:spTree>
+    <p:extLst>
+      <p:ext uri="{BB962C8B-B14F-4D97-AF65-F5344CB8AC3E}">
+        <p14:creationId xmlns:p14="http://schemas.microsoft.com/office/powerpoint/2010/main" val="2984511696"/>
+      </p:ext>
+    </p:extLst>
+  </p:cSld>
+  <p:clrMapOvr>
+    <a:masterClrMapping/>
+  </p:clrMapOvr>
+</p:notes>
 </file>
 
 <file path=ppt/slideLayouts/slideLayout1.xml><?xml version="1.0" encoding="utf-8"?>
@@ -4241,7 +4685,7 @@
           <p:nvPr/>
         </p:nvPicPr>
         <p:blipFill rotWithShape="1">
-          <a:blip r:embed="rId2"/>
+          <a:blip r:embed="rId3"/>
           <a:srcRect l="11855" r="1548"/>
           <a:stretch/>
         </p:blipFill>
@@ -4751,4 +5195,299 @@
     </a:ext>
   </a:extLst>
 </a:theme>
+</file>
+
+<file path=ppt/theme/theme2.xml><?xml version="1.0" encoding="utf-8"?>
+<a:theme xmlns:a="http://schemas.openxmlformats.org/drawingml/2006/main" name="Office Theme 2013 - 2022">
+  <a:themeElements>
+    <a:clrScheme name="Office">
+      <a:dk1>
+        <a:sysClr val="windowText" lastClr="000000"/>
+      </a:dk1>
+      <a:lt1>
+        <a:sysClr val="window" lastClr="FFFFFF"/>
+      </a:lt1>
+      <a:dk2>
+        <a:srgbClr val="44546A"/>
+      </a:dk2>
+      <a:lt2>
+        <a:srgbClr val="E7E6E6"/>
+      </a:lt2>
+      <a:accent1>
+        <a:srgbClr val="4472C4"/>
+      </a:accent1>
+      <a:accent2>
+        <a:srgbClr val="ED7D31"/>
+      </a:accent2>
+      <a:accent3>
+        <a:srgbClr val="A5A5A5"/>
+      </a:accent3>
+      <a:accent4>
+        <a:srgbClr val="FFC000"/>
+      </a:accent4>
+      <a:accent5>
+        <a:srgbClr val="5B9BD5"/>
+      </a:accent5>
+      <a:accent6>
+        <a:srgbClr val="70AD47"/>
+      </a:accent6>
+      <a:hlink>
+        <a:srgbClr val="0563C1"/>
+      </a:hlink>
+      <a:folHlink>
+        <a:srgbClr val="954F72"/>
+      </a:folHlink>
+    </a:clrScheme>
+    <a:fontScheme name="Office">
+      <a:majorFont>
+        <a:latin typeface="Calibri Light" panose="020F0302020204030204"/>
+        <a:ea typeface=""/>
+        <a:cs typeface=""/>
+        <a:font script="Jpan" typeface="游ゴシック Light"/>
+        <a:font script="Hang" typeface="맑은 고딕"/>
+        <a:font script="Hans" typeface="等线 Light"/>
+        <a:font script="Hant" typeface="新細明體"/>
+        <a:font script="Arab" typeface="Times New Roman"/>
+        <a:font script="Hebr" typeface="Times New Roman"/>
+        <a:font script="Thai" typeface="Angsana New"/>
+        <a:font script="Ethi" typeface="Nyala"/>
+        <a:font script="Beng" typeface="Vrinda"/>
+        <a:font script="Gujr" typeface="Shruti"/>
+        <a:font script="Khmr" typeface="MoolBoran"/>
+        <a:font script="Knda" typeface="Tunga"/>
+        <a:font script="Guru" typeface="Raavi"/>
+        <a:font script="Cans" typeface="Euphemia"/>
+        <a:font script="Cher" typeface="Plantagenet Cherokee"/>
+        <a:font script="Yiii" typeface="Microsoft Yi Baiti"/>
+        <a:font script="Tibt" typeface="Microsoft Himalaya"/>
+        <a:font script="Thaa" typeface="MV Boli"/>
+        <a:font script="Deva" typeface="Mangal"/>
+        <a:font script="Telu" typeface="Gautami"/>
+        <a:font script="Taml" typeface="Latha"/>
+        <a:font script="Syrc" typeface="Estrangelo Edessa"/>
+        <a:font script="Orya" typeface="Kalinga"/>
+        <a:font script="Mlym" typeface="Kartika"/>
+        <a:font script="Laoo" typeface="DokChampa"/>
+        <a:font script="Sinh" typeface="Iskoola Pota"/>
+        <a:font script="Mong" typeface="Mongolian Baiti"/>
+        <a:font script="Viet" typeface="Times New Roman"/>
+        <a:font script="Uigh" typeface="Microsoft Uighur"/>
+        <a:font script="Geor" typeface="Sylfaen"/>
+        <a:font script="Armn" typeface="Arial"/>
+        <a:font script="Bugi" typeface="Leelawadee UI"/>
+        <a:font script="Bopo" typeface="Microsoft JhengHei"/>
+        <a:font script="Java" typeface="Javanese Text"/>
+        <a:font script="Lisu" typeface="Segoe UI"/>
+        <a:font script="Mymr" typeface="Myanmar Text"/>
+        <a:font script="Nkoo" typeface="Ebrima"/>
+        <a:font script="Olck" typeface="Nirmala UI"/>
+        <a:font script="Osma" typeface="Ebrima"/>
+        <a:font script="Phag" typeface="Phagspa"/>
+        <a:font script="Syrn" typeface="Estrangelo Edessa"/>
+        <a:font script="Syrj" typeface="Estrangelo Edessa"/>
+        <a:font script="Syre" typeface="Estrangelo Edessa"/>
+        <a:font script="Sora" typeface="Nirmala UI"/>
+        <a:font script="Tale" typeface="Microsoft Tai Le"/>
+        <a:font script="Talu" typeface="Microsoft New Tai Lue"/>
+        <a:font script="Tfng" typeface="Ebrima"/>
+      </a:majorFont>
+      <a:minorFont>
+        <a:latin typeface="Calibri" panose="020F0502020204030204"/>
+        <a:ea typeface=""/>
+        <a:cs typeface=""/>
+        <a:font script="Jpan" typeface="游ゴシック"/>
+        <a:font script="Hang" typeface="맑은 고딕"/>
+        <a:font script="Hans" typeface="等线"/>
+        <a:font script="Hant" typeface="新細明體"/>
+        <a:font script="Arab" typeface="Arial"/>
+        <a:font script="Hebr" typeface="Arial"/>
+        <a:font script="Thai" typeface="Cordia New"/>
+        <a:font script="Ethi" typeface="Nyala"/>
+        <a:font script="Beng" typeface="Vrinda"/>
+        <a:font script="Gujr" typeface="Shruti"/>
+        <a:font script="Khmr" typeface="DaunPenh"/>
+        <a:font script="Knda" typeface="Tunga"/>
+        <a:font script="Guru" typeface="Raavi"/>
+        <a:font script="Cans" typeface="Euphemia"/>
+        <a:font script="Cher" typeface="Plantagenet Cherokee"/>
+        <a:font script="Yiii" typeface="Microsoft Yi Baiti"/>
+        <a:font script="Tibt" typeface="Microsoft Himalaya"/>
+        <a:font script="Thaa" typeface="MV Boli"/>
+        <a:font script="Deva" typeface="Mangal"/>
+        <a:font script="Telu" typeface="Gautami"/>
+        <a:font script="Taml" typeface="Latha"/>
+        <a:font script="Syrc" typeface="Estrangelo Edessa"/>
+        <a:font script="Orya" typeface="Kalinga"/>
+        <a:font script="Mlym" typeface="Kartika"/>
+        <a:font script="Laoo" typeface="DokChampa"/>
+        <a:font script="Sinh" typeface="Iskoola Pota"/>
+        <a:font script="Mong" typeface="Mongolian Baiti"/>
+        <a:font script="Viet" typeface="Arial"/>
+        <a:font script="Uigh" typeface="Microsoft Uighur"/>
+        <a:font script="Geor" typeface="Sylfaen"/>
+        <a:font script="Armn" typeface="Arial"/>
+        <a:font script="Bugi" typeface="Leelawadee UI"/>
+        <a:font script="Bopo" typeface="Microsoft JhengHei"/>
+        <a:font script="Java" typeface="Javanese Text"/>
+        <a:font script="Lisu" typeface="Segoe UI"/>
+        <a:font script="Mymr" typeface="Myanmar Text"/>
+        <a:font script="Nkoo" typeface="Ebrima"/>
+        <a:font script="Olck" typeface="Nirmala UI"/>
+        <a:font script="Osma" typeface="Ebrima"/>
+        <a:font script="Phag" typeface="Phagspa"/>
+        <a:font script="Syrn" typeface="Estrangelo Edessa"/>
+        <a:font script="Syrj" typeface="Estrangelo Edessa"/>
+        <a:font script="Syre" typeface="Estrangelo Edessa"/>
+        <a:font script="Sora" typeface="Nirmala UI"/>
+        <a:font script="Tale" typeface="Microsoft Tai Le"/>
+        <a:font script="Talu" typeface="Microsoft New Tai Lue"/>
+        <a:font script="Tfng" typeface="Ebrima"/>
+      </a:minorFont>
+    </a:fontScheme>
+    <a:fmtScheme name="Office">
+      <a:fillStyleLst>
+        <a:solidFill>
+          <a:schemeClr val="phClr"/>
+        </a:solidFill>
+        <a:gradFill rotWithShape="1">
+          <a:gsLst>
+            <a:gs pos="0">
+              <a:schemeClr val="phClr">
+                <a:lumMod val="110000"/>
+                <a:satMod val="105000"/>
+                <a:tint val="67000"/>
+              </a:schemeClr>
+            </a:gs>
+            <a:gs pos="50000">
+              <a:schemeClr val="phClr">
+                <a:lumMod val="105000"/>
+                <a:satMod val="103000"/>
+                <a:tint val="73000"/>
+              </a:schemeClr>
+            </a:gs>
+            <a:gs pos="100000">
+              <a:schemeClr val="phClr">
+                <a:lumMod val="105000"/>
+                <a:satMod val="109000"/>
+                <a:tint val="81000"/>
+              </a:schemeClr>
+            </a:gs>
+          </a:gsLst>
+          <a:lin ang="5400000" scaled="0"/>
+        </a:gradFill>
+        <a:gradFill rotWithShape="1">
+          <a:gsLst>
+            <a:gs pos="0">
+              <a:schemeClr val="phClr">
+                <a:satMod val="103000"/>
+                <a:lumMod val="102000"/>
+                <a:tint val="94000"/>
+              </a:schemeClr>
+            </a:gs>
+            <a:gs pos="50000">
+              <a:schemeClr val="phClr">
+                <a:satMod val="110000"/>
+                <a:lumMod val="100000"/>
+                <a:shade val="100000"/>
+              </a:schemeClr>
+            </a:gs>
+            <a:gs pos="100000">
+              <a:schemeClr val="phClr">
+                <a:lumMod val="99000"/>
+                <a:satMod val="120000"/>
+                <a:shade val="78000"/>
+              </a:schemeClr>
+            </a:gs>
+          </a:gsLst>
+          <a:lin ang="5400000" scaled="0"/>
+        </a:gradFill>
+      </a:fillStyleLst>
+      <a:lnStyleLst>
+        <a:ln w="6350" cap="flat" cmpd="sng" algn="ctr">
+          <a:solidFill>
+            <a:schemeClr val="phClr"/>
+          </a:solidFill>
+          <a:prstDash val="solid"/>
+          <a:miter lim="800000"/>
+        </a:ln>
+        <a:ln w="12700" cap="flat" cmpd="sng" algn="ctr">
+          <a:solidFill>
+            <a:schemeClr val="phClr"/>
+          </a:solidFill>
+          <a:prstDash val="solid"/>
+          <a:miter lim="800000"/>
+        </a:ln>
+        <a:ln w="19050" cap="flat" cmpd="sng" algn="ctr">
+          <a:solidFill>
+            <a:schemeClr val="phClr"/>
+          </a:solidFill>
+          <a:prstDash val="solid"/>
+          <a:miter lim="800000"/>
+        </a:ln>
+      </a:lnStyleLst>
+      <a:effectStyleLst>
+        <a:effectStyle>
+          <a:effectLst/>
+        </a:effectStyle>
+        <a:effectStyle>
+          <a:effectLst/>
+        </a:effectStyle>
+        <a:effectStyle>
+          <a:effectLst>
+            <a:outerShdw blurRad="57150" dist="19050" dir="5400000" algn="ctr" rotWithShape="0">
+              <a:srgbClr val="000000">
+                <a:alpha val="63000"/>
+              </a:srgbClr>
+            </a:outerShdw>
+          </a:effectLst>
+        </a:effectStyle>
+      </a:effectStyleLst>
+      <a:bgFillStyleLst>
+        <a:solidFill>
+          <a:schemeClr val="phClr"/>
+        </a:solidFill>
+        <a:solidFill>
+          <a:schemeClr val="phClr">
+            <a:tint val="95000"/>
+            <a:satMod val="170000"/>
+          </a:schemeClr>
+        </a:solidFill>
+        <a:gradFill rotWithShape="1">
+          <a:gsLst>
+            <a:gs pos="0">
+              <a:schemeClr val="phClr">
+                <a:tint val="93000"/>
+                <a:satMod val="150000"/>
+                <a:shade val="98000"/>
+                <a:lumMod val="102000"/>
+              </a:schemeClr>
+            </a:gs>
+            <a:gs pos="50000">
+              <a:schemeClr val="phClr">
+                <a:tint val="98000"/>
+                <a:satMod val="130000"/>
+                <a:shade val="90000"/>
+                <a:lumMod val="103000"/>
+              </a:schemeClr>
+            </a:gs>
+            <a:gs pos="100000">
+              <a:schemeClr val="phClr">
+                <a:shade val="63000"/>
+                <a:satMod val="120000"/>
+              </a:schemeClr>
+            </a:gs>
+          </a:gsLst>
+          <a:lin ang="5400000" scaled="0"/>
+        </a:gradFill>
+      </a:bgFillStyleLst>
+    </a:fmtScheme>
+  </a:themeElements>
+  <a:objectDefaults/>
+  <a:extraClrSchemeLst/>
+  <a:extLst>
+    <a:ext uri="{05A4C25C-085E-4340-85A3-A5531E510DB2}">
+      <thm15:themeFamily xmlns:thm15="http://schemas.microsoft.com/office/thememl/2012/main" name="Office Theme 2013 - 2022" id="{62F939B6-93AF-4DB8-9C6B-D6C7DFDC589F}" vid="{4A3C46E8-61CC-4603-A589-7422A47A8E4A}"/>
+    </a:ext>
+  </a:extLst>
+</a:theme>
 </file>
--- a/speech.pptx
+++ b/speech.pptx
@@ -9013,9 +9013,10 @@
           <a:lstStyle/>
           <a:p>
             <a:r>
-              <a:rPr lang="en-US" dirty="0"/>
-              <a:t>Conclusion</a:t>
+              <a:rPr lang="en-US"/>
+              <a:t>Lesson Learned</a:t>
             </a:r>
+            <a:endParaRPr lang="en-US" dirty="0"/>
           </a:p>
         </p:txBody>
       </p:sp>
@@ -9167,7 +9168,7 @@
         <p:spPr>
           <a:xfrm>
             <a:off x="838200" y="1825625"/>
-            <a:ext cx="11993380" cy="4351338"/>
+            <a:ext cx="11353800" cy="4351338"/>
           </a:xfrm>
         </p:spPr>
         <p:txBody>
@@ -9311,12 +9312,12 @@
           <a:chExt cx="0" cy="0"/>
         </a:xfrm>
       </p:grpSpPr>
-      <p:sp>
+      <p:sp useBgFill="1">
         <p:nvSpPr>
-          <p:cNvPr id="10" name="Rectangle 9">
+          <p:cNvPr id="17" name="Rectangle 16">
             <a:extLst>
               <a:ext uri="{FF2B5EF4-FFF2-40B4-BE49-F238E27FC236}">
-                <a16:creationId xmlns:a16="http://schemas.microsoft.com/office/drawing/2014/main" id="{823AC064-BC96-4F32-8AE1-B2FD38754823}"/>
+                <a16:creationId xmlns:a16="http://schemas.microsoft.com/office/drawing/2014/main" id="{777A147A-9ED8-46B4-8660-1B3C2AA880B5}"/>
               </a:ext>
               <a:ext uri="{C183D7F6-B498-43B3-948B-1728B52AA6E4}">
                 <adec:decorative xmlns:adec="http://schemas.microsoft.com/office/drawing/2017/decorative" val="1"/>
@@ -9334,27 +9335,16 @@
             </p:extLst>
           </p:nvPr>
         </p:nvSpPr>
-        <p:spPr bwMode="ltGray">
+        <p:spPr>
           <a:xfrm>
-            <a:off x="378068" y="4633546"/>
-            <a:ext cx="11438793" cy="1844256"/>
+            <a:off x="0" y="0"/>
+            <a:ext cx="12188952" cy="6858000"/>
           </a:xfrm>
           <a:prstGeom prst="rect">
             <a:avLst/>
           </a:prstGeom>
-          <a:solidFill>
-            <a:schemeClr val="tx1">
-              <a:lumMod val="75000"/>
-              <a:lumOff val="25000"/>
-            </a:schemeClr>
-          </a:solidFill>
-          <a:ln w="127000" cap="sq" cmpd="thinThick">
-            <a:solidFill>
-              <a:schemeClr val="tx1">
-                <a:lumMod val="75000"/>
-                <a:lumOff val="25000"/>
-              </a:schemeClr>
-            </a:solidFill>
+          <a:ln>
+            <a:noFill/>
           </a:ln>
         </p:spPr>
         <p:style>
@@ -9377,37 +9367,8 @@
           <a:bodyPr rtlCol="0" anchor="ctr"/>
           <a:lstStyle/>
           <a:p>
-            <a:pPr marL="0" marR="0" lvl="0" indent="0" algn="ctr" defTabSz="914400" rtl="0" eaLnBrk="1" fontAlgn="auto" latinLnBrk="0" hangingPunct="1">
-              <a:lnSpc>
-                <a:spcPct val="100000"/>
-              </a:lnSpc>
-              <a:spcBef>
-                <a:spcPts val="0"/>
-              </a:spcBef>
-              <a:spcAft>
-                <a:spcPts val="0"/>
-              </a:spcAft>
-              <a:buClrTx/>
-              <a:buSzTx/>
-              <a:buFontTx/>
-              <a:buNone/>
-              <a:tabLst/>
-              <a:defRPr/>
-            </a:pPr>
-            <a:endParaRPr kumimoji="0" lang="en-US" sz="1800" b="0" i="0" u="none" strike="noStrike" kern="1200" cap="none" spc="0" normalizeH="0" baseline="0" noProof="0">
-              <a:ln>
-                <a:noFill/>
-              </a:ln>
-              <a:solidFill>
-                <a:prstClr val="white"/>
-              </a:solidFill>
-              <a:effectLst/>
-              <a:uLnTx/>
-              <a:uFillTx/>
-              <a:latin typeface="Calibri" panose="020F0502020204030204"/>
-              <a:ea typeface="+mn-ea"/>
-              <a:cs typeface="+mn-cs"/>
-            </a:endParaRPr>
+            <a:pPr algn="ctr"/>
+            <a:endParaRPr lang="en-US"/>
           </a:p>
         </p:txBody>
       </p:sp>
@@ -9429,21 +9390,20 @@
         </p:nvSpPr>
         <p:spPr>
           <a:xfrm>
-            <a:off x="526073" y="4756638"/>
-            <a:ext cx="11139854" cy="930447"/>
+            <a:off x="841248" y="548640"/>
+            <a:ext cx="3600860" cy="5431536"/>
           </a:xfrm>
         </p:spPr>
         <p:txBody>
-          <a:bodyPr vert="horz" lIns="91440" tIns="45720" rIns="91440" bIns="45720" rtlCol="0" anchor="b">
+          <a:bodyPr vert="horz" lIns="91440" tIns="45720" rIns="91440" bIns="45720" rtlCol="0" anchor="ctr">
             <a:normAutofit/>
           </a:bodyPr>
           <a:lstStyle/>
           <a:p>
-            <a:pPr algn="ctr"/>
             <a:r>
               <a:rPr lang="en-US" sz="5400" kern="1200">
                 <a:solidFill>
-                  <a:schemeClr val="bg1"/>
+                  <a:schemeClr val="tx1"/>
                 </a:solidFill>
                 <a:latin typeface="+mj-lt"/>
                 <a:ea typeface="+mj-ea"/>
@@ -9454,60 +9414,21 @@
           </a:p>
         </p:txBody>
       </p:sp>
-      <p:pic>
-        <p:nvPicPr>
-          <p:cNvPr id="7" name="Graphic 6" descr="Smiling Face with No Fill">
+      <p:sp>
+        <p:nvSpPr>
+          <p:cNvPr id="19" name="sketch line">
             <a:extLst>
               <a:ext uri="{FF2B5EF4-FFF2-40B4-BE49-F238E27FC236}">
-                <a16:creationId xmlns:a16="http://schemas.microsoft.com/office/drawing/2014/main" id="{DD01D2A7-7F54-D344-4677-6228F1A9AD8D}"/>
+                <a16:creationId xmlns:a16="http://schemas.microsoft.com/office/drawing/2014/main" id="{5D6C15A0-C087-4593-8414-2B4EC1CDC3DE}"/>
+              </a:ext>
+              <a:ext uri="{C183D7F6-B498-43B3-948B-1728B52AA6E4}">
+                <adec:decorative xmlns:adec="http://schemas.microsoft.com/office/drawing/2017/decorative" val="1"/>
               </a:ext>
             </a:extLst>
           </p:cNvPr>
-          <p:cNvPicPr>
-            <a:picLocks noChangeAspect="1"/>
-          </p:cNvPicPr>
-          <p:nvPr/>
-        </p:nvPicPr>
-        <p:blipFill>
-          <a:blip r:embed="rId2">
-            <a:extLst>
-              <a:ext uri="{28A0092B-C50C-407E-A947-70E740481C1C}">
-                <a14:useLocalDpi xmlns:a14="http://schemas.microsoft.com/office/drawing/2010/main" val="0"/>
-              </a:ext>
-              <a:ext uri="{96DAC541-7B7A-43D3-8B79-37D633B846F1}">
-                <asvg:svgBlip xmlns:asvg="http://schemas.microsoft.com/office/drawing/2016/SVG/main" r:embed="rId3"/>
-              </a:ext>
-            </a:extLst>
-          </a:blip>
-          <a:stretch>
-            <a:fillRect/>
-          </a:stretch>
-        </p:blipFill>
-        <p:spPr>
-          <a:xfrm>
-            <a:off x="4069632" y="307731"/>
-            <a:ext cx="3997637" cy="3997637"/>
-          </a:xfrm>
-          <a:prstGeom prst="rect">
-            <a:avLst/>
-          </a:prstGeom>
-        </p:spPr>
-      </p:pic>
-      <p:cxnSp>
-        <p:nvCxnSpPr>
-          <p:cNvPr id="12" name="Straight Connector 11">
-            <a:extLst>
-              <a:ext uri="{FF2B5EF4-FFF2-40B4-BE49-F238E27FC236}">
-                <a16:creationId xmlns:a16="http://schemas.microsoft.com/office/drawing/2014/main" id="{7E7C77BC-7138-40B1-A15B-20F57A494629}"/>
-              </a:ext>
-              <a:ext uri="{C183D7F6-B498-43B3-948B-1728B52AA6E4}">
-                <adec:decorative xmlns:adec="http://schemas.microsoft.com/office/drawing/2017/decorative" val="1"/>
-              </a:ext>
-            </a:extLst>
-          </p:cNvPr>
-          <p:cNvCxnSpPr>
-            <a:cxnSpLocks noGrp="1" noRot="1" noChangeAspect="1" noMove="1" noResize="1" noEditPoints="1" noAdjustHandles="1" noChangeArrowheads="1" noChangeShapeType="1"/>
-          </p:cNvCxnSpPr>
+          <p:cNvSpPr>
+            <a:spLocks noGrp="1" noRot="1" noChangeAspect="1" noMove="1" noResize="1" noEditPoints="1" noAdjustHandles="1" noChangeArrowheads="1" noChangeShapeType="1" noTextEdit="1"/>
+          </p:cNvSpPr>
           <p:nvPr>
             <p:extLst>
               <p:ext uri="{386F3935-93C4-4BCD-93E2-E3B085C9AB24}">
@@ -9515,36 +9436,369 @@
               </p:ext>
             </p:extLst>
           </p:nvPr>
-        </p:nvCxnSpPr>
+        </p:nvSpPr>
         <p:spPr>
-          <a:xfrm>
-            <a:off x="2209800" y="5738691"/>
-            <a:ext cx="7772400" cy="0"/>
+          <a:xfrm rot="5400000">
+            <a:off x="2543983" y="3258715"/>
+            <a:ext cx="4480560" cy="18288"/>
           </a:xfrm>
-          <a:prstGeom prst="line">
+          <a:custGeom>
             <a:avLst/>
-          </a:prstGeom>
-          <a:ln w="22225">
+            <a:gdLst>
+              <a:gd name="connsiteX0" fmla="*/ 0 w 4480560"/>
+              <a:gd name="connsiteY0" fmla="*/ 0 h 18288"/>
+              <a:gd name="connsiteX1" fmla="*/ 595274 w 4480560"/>
+              <a:gd name="connsiteY1" fmla="*/ 0 h 18288"/>
+              <a:gd name="connsiteX2" fmla="*/ 1100938 w 4480560"/>
+              <a:gd name="connsiteY2" fmla="*/ 0 h 18288"/>
+              <a:gd name="connsiteX3" fmla="*/ 1651406 w 4480560"/>
+              <a:gd name="connsiteY3" fmla="*/ 0 h 18288"/>
+              <a:gd name="connsiteX4" fmla="*/ 2336292 w 4480560"/>
+              <a:gd name="connsiteY4" fmla="*/ 0 h 18288"/>
+              <a:gd name="connsiteX5" fmla="*/ 2931566 w 4480560"/>
+              <a:gd name="connsiteY5" fmla="*/ 0 h 18288"/>
+              <a:gd name="connsiteX6" fmla="*/ 3482035 w 4480560"/>
+              <a:gd name="connsiteY6" fmla="*/ 0 h 18288"/>
+              <a:gd name="connsiteX7" fmla="*/ 4480560 w 4480560"/>
+              <a:gd name="connsiteY7" fmla="*/ 0 h 18288"/>
+              <a:gd name="connsiteX8" fmla="*/ 4480560 w 4480560"/>
+              <a:gd name="connsiteY8" fmla="*/ 18288 h 18288"/>
+              <a:gd name="connsiteX9" fmla="*/ 3840480 w 4480560"/>
+              <a:gd name="connsiteY9" fmla="*/ 18288 h 18288"/>
+              <a:gd name="connsiteX10" fmla="*/ 3290011 w 4480560"/>
+              <a:gd name="connsiteY10" fmla="*/ 18288 h 18288"/>
+              <a:gd name="connsiteX11" fmla="*/ 2560320 w 4480560"/>
+              <a:gd name="connsiteY11" fmla="*/ 18288 h 18288"/>
+              <a:gd name="connsiteX12" fmla="*/ 1965046 w 4480560"/>
+              <a:gd name="connsiteY12" fmla="*/ 18288 h 18288"/>
+              <a:gd name="connsiteX13" fmla="*/ 1459382 w 4480560"/>
+              <a:gd name="connsiteY13" fmla="*/ 18288 h 18288"/>
+              <a:gd name="connsiteX14" fmla="*/ 774497 w 4480560"/>
+              <a:gd name="connsiteY14" fmla="*/ 18288 h 18288"/>
+              <a:gd name="connsiteX15" fmla="*/ 0 w 4480560"/>
+              <a:gd name="connsiteY15" fmla="*/ 18288 h 18288"/>
+              <a:gd name="connsiteX16" fmla="*/ 0 w 4480560"/>
+              <a:gd name="connsiteY16" fmla="*/ 0 h 18288"/>
+            </a:gdLst>
+            <a:ahLst/>
+            <a:cxnLst>
+              <a:cxn ang="0">
+                <a:pos x="connsiteX0" y="connsiteY0"/>
+              </a:cxn>
+              <a:cxn ang="0">
+                <a:pos x="connsiteX1" y="connsiteY1"/>
+              </a:cxn>
+              <a:cxn ang="0">
+                <a:pos x="connsiteX2" y="connsiteY2"/>
+              </a:cxn>
+              <a:cxn ang="0">
+                <a:pos x="connsiteX3" y="connsiteY3"/>
+              </a:cxn>
+              <a:cxn ang="0">
+                <a:pos x="connsiteX4" y="connsiteY4"/>
+              </a:cxn>
+              <a:cxn ang="0">
+                <a:pos x="connsiteX5" y="connsiteY5"/>
+              </a:cxn>
+              <a:cxn ang="0">
+                <a:pos x="connsiteX6" y="connsiteY6"/>
+              </a:cxn>
+              <a:cxn ang="0">
+                <a:pos x="connsiteX7" y="connsiteY7"/>
+              </a:cxn>
+              <a:cxn ang="0">
+                <a:pos x="connsiteX8" y="connsiteY8"/>
+              </a:cxn>
+              <a:cxn ang="0">
+                <a:pos x="connsiteX9" y="connsiteY9"/>
+              </a:cxn>
+              <a:cxn ang="0">
+                <a:pos x="connsiteX10" y="connsiteY10"/>
+              </a:cxn>
+              <a:cxn ang="0">
+                <a:pos x="connsiteX11" y="connsiteY11"/>
+              </a:cxn>
+              <a:cxn ang="0">
+                <a:pos x="connsiteX12" y="connsiteY12"/>
+              </a:cxn>
+              <a:cxn ang="0">
+                <a:pos x="connsiteX13" y="connsiteY13"/>
+              </a:cxn>
+              <a:cxn ang="0">
+                <a:pos x="connsiteX14" y="connsiteY14"/>
+              </a:cxn>
+              <a:cxn ang="0">
+                <a:pos x="connsiteX15" y="connsiteY15"/>
+              </a:cxn>
+              <a:cxn ang="0">
+                <a:pos x="connsiteX16" y="connsiteY16"/>
+              </a:cxn>
+            </a:cxnLst>
+            <a:rect l="l" t="t" r="r" b="b"/>
+            <a:pathLst>
+              <a:path w="4480560" h="18288" fill="none" extrusionOk="0">
+                <a:moveTo>
+                  <a:pt x="0" y="0"/>
+                </a:moveTo>
+                <a:cubicBezTo>
+                  <a:pt x="267821" y="8731"/>
+                  <a:pt x="334105" y="2629"/>
+                  <a:pt x="595274" y="0"/>
+                </a:cubicBezTo>
+                <a:cubicBezTo>
+                  <a:pt x="856443" y="-2629"/>
+                  <a:pt x="863808" y="-13353"/>
+                  <a:pt x="1100938" y="0"/>
+                </a:cubicBezTo>
+                <a:cubicBezTo>
+                  <a:pt x="1338068" y="13353"/>
+                  <a:pt x="1431663" y="-25862"/>
+                  <a:pt x="1651406" y="0"/>
+                </a:cubicBezTo>
+                <a:cubicBezTo>
+                  <a:pt x="1871149" y="25862"/>
+                  <a:pt x="2173163" y="23827"/>
+                  <a:pt x="2336292" y="0"/>
+                </a:cubicBezTo>
+                <a:cubicBezTo>
+                  <a:pt x="2499421" y="-23827"/>
+                  <a:pt x="2720589" y="28148"/>
+                  <a:pt x="2931566" y="0"/>
+                </a:cubicBezTo>
+                <a:cubicBezTo>
+                  <a:pt x="3142543" y="-28148"/>
+                  <a:pt x="3323630" y="27022"/>
+                  <a:pt x="3482035" y="0"/>
+                </a:cubicBezTo>
+                <a:cubicBezTo>
+                  <a:pt x="3640440" y="-27022"/>
+                  <a:pt x="4012110" y="-20118"/>
+                  <a:pt x="4480560" y="0"/>
+                </a:cubicBezTo>
+                <a:cubicBezTo>
+                  <a:pt x="4480958" y="7429"/>
+                  <a:pt x="4480540" y="10822"/>
+                  <a:pt x="4480560" y="18288"/>
+                </a:cubicBezTo>
+                <a:cubicBezTo>
+                  <a:pt x="4314132" y="14924"/>
+                  <a:pt x="4028383" y="36632"/>
+                  <a:pt x="3840480" y="18288"/>
+                </a:cubicBezTo>
+                <a:cubicBezTo>
+                  <a:pt x="3652577" y="-56"/>
+                  <a:pt x="3547615" y="2848"/>
+                  <a:pt x="3290011" y="18288"/>
+                </a:cubicBezTo>
+                <a:cubicBezTo>
+                  <a:pt x="3032407" y="33728"/>
+                  <a:pt x="2830268" y="8719"/>
+                  <a:pt x="2560320" y="18288"/>
+                </a:cubicBezTo>
+                <a:cubicBezTo>
+                  <a:pt x="2290372" y="27857"/>
+                  <a:pt x="2147422" y="6728"/>
+                  <a:pt x="1965046" y="18288"/>
+                </a:cubicBezTo>
+                <a:cubicBezTo>
+                  <a:pt x="1782670" y="29848"/>
+                  <a:pt x="1689791" y="40680"/>
+                  <a:pt x="1459382" y="18288"/>
+                </a:cubicBezTo>
+                <a:cubicBezTo>
+                  <a:pt x="1228973" y="-4104"/>
+                  <a:pt x="915486" y="36501"/>
+                  <a:pt x="774497" y="18288"/>
+                </a:cubicBezTo>
+                <a:cubicBezTo>
+                  <a:pt x="633508" y="75"/>
+                  <a:pt x="361442" y="-11107"/>
+                  <a:pt x="0" y="18288"/>
+                </a:cubicBezTo>
+                <a:cubicBezTo>
+                  <a:pt x="-591" y="13205"/>
+                  <a:pt x="-663" y="6329"/>
+                  <a:pt x="0" y="0"/>
+                </a:cubicBezTo>
+                <a:close/>
+              </a:path>
+              <a:path w="4480560" h="18288" stroke="0" extrusionOk="0">
+                <a:moveTo>
+                  <a:pt x="0" y="0"/>
+                </a:moveTo>
+                <a:cubicBezTo>
+                  <a:pt x="285465" y="225"/>
+                  <a:pt x="322691" y="16223"/>
+                  <a:pt x="595274" y="0"/>
+                </a:cubicBezTo>
+                <a:cubicBezTo>
+                  <a:pt x="867857" y="-16223"/>
+                  <a:pt x="989129" y="-11242"/>
+                  <a:pt x="1100938" y="0"/>
+                </a:cubicBezTo>
+                <a:cubicBezTo>
+                  <a:pt x="1212747" y="11242"/>
+                  <a:pt x="1574350" y="-36410"/>
+                  <a:pt x="1830629" y="0"/>
+                </a:cubicBezTo>
+                <a:cubicBezTo>
+                  <a:pt x="2086908" y="36410"/>
+                  <a:pt x="2180922" y="4645"/>
+                  <a:pt x="2425903" y="0"/>
+                </a:cubicBezTo>
+                <a:cubicBezTo>
+                  <a:pt x="2670884" y="-4645"/>
+                  <a:pt x="2782024" y="22929"/>
+                  <a:pt x="3021178" y="0"/>
+                </a:cubicBezTo>
+                <a:cubicBezTo>
+                  <a:pt x="3260332" y="-22929"/>
+                  <a:pt x="3456982" y="-1586"/>
+                  <a:pt x="3750869" y="0"/>
+                </a:cubicBezTo>
+                <a:cubicBezTo>
+                  <a:pt x="4044756" y="1586"/>
+                  <a:pt x="4302726" y="17043"/>
+                  <a:pt x="4480560" y="0"/>
+                </a:cubicBezTo>
+                <a:cubicBezTo>
+                  <a:pt x="4479674" y="5429"/>
+                  <a:pt x="4481381" y="14046"/>
+                  <a:pt x="4480560" y="18288"/>
+                </a:cubicBezTo>
+                <a:cubicBezTo>
+                  <a:pt x="4279652" y="-6850"/>
+                  <a:pt x="4200762" y="41566"/>
+                  <a:pt x="3930091" y="18288"/>
+                </a:cubicBezTo>
+                <a:cubicBezTo>
+                  <a:pt x="3659420" y="-4990"/>
+                  <a:pt x="3456052" y="22294"/>
+                  <a:pt x="3290011" y="18288"/>
+                </a:cubicBezTo>
+                <a:cubicBezTo>
+                  <a:pt x="3123970" y="14282"/>
+                  <a:pt x="2882392" y="32818"/>
+                  <a:pt x="2649931" y="18288"/>
+                </a:cubicBezTo>
+                <a:cubicBezTo>
+                  <a:pt x="2417470" y="3758"/>
+                  <a:pt x="2238426" y="7337"/>
+                  <a:pt x="2054657" y="18288"/>
+                </a:cubicBezTo>
+                <a:cubicBezTo>
+                  <a:pt x="1870888" y="29239"/>
+                  <a:pt x="1566368" y="45040"/>
+                  <a:pt x="1324966" y="18288"/>
+                </a:cubicBezTo>
+                <a:cubicBezTo>
+                  <a:pt x="1083564" y="-8464"/>
+                  <a:pt x="787410" y="10946"/>
+                  <a:pt x="595274" y="18288"/>
+                </a:cubicBezTo>
+                <a:cubicBezTo>
+                  <a:pt x="403138" y="25630"/>
+                  <a:pt x="169622" y="10499"/>
+                  <a:pt x="0" y="18288"/>
+                </a:cubicBezTo>
+                <a:cubicBezTo>
+                  <a:pt x="668" y="13665"/>
+                  <a:pt x="578" y="5675"/>
+                  <a:pt x="0" y="0"/>
+                </a:cubicBezTo>
+                <a:close/>
+              </a:path>
+            </a:pathLst>
+          </a:custGeom>
+          <a:solidFill>
+            <a:schemeClr val="accent2"/>
+          </a:solidFill>
+          <a:ln w="41275" cap="rnd">
             <a:solidFill>
-              <a:srgbClr val="D9D9D9"/>
+              <a:schemeClr val="accent2"/>
             </a:solidFill>
+            <a:round/>
+            <a:extLst>
+              <a:ext uri="{C807C97D-BFC1-408E-A445-0C87EB9F89A2}">
+                <ask:lineSketchStyleProps xmlns:ask="http://schemas.microsoft.com/office/drawing/2018/sketchyshapes" sd="1219033472">
+                  <a:prstGeom prst="rect">
+                    <a:avLst/>
+                  </a:prstGeom>
+                  <ask:type>
+                    <ask:lineSketchFreehand/>
+                  </ask:type>
+                </ask:lineSketchStyleProps>
+              </a:ext>
+            </a:extLst>
           </a:ln>
         </p:spPr>
         <p:style>
-          <a:lnRef idx="1">
-            <a:schemeClr val="accent1"/>
+          <a:lnRef idx="2">
+            <a:schemeClr val="accent1">
+              <a:shade val="50000"/>
+            </a:schemeClr>
           </a:lnRef>
-          <a:fillRef idx="0">
+          <a:fillRef idx="1">
             <a:schemeClr val="accent1"/>
           </a:fillRef>
           <a:effectRef idx="0">
             <a:schemeClr val="accent1"/>
           </a:effectRef>
           <a:fontRef idx="minor">
-            <a:schemeClr val="tx1"/>
+            <a:schemeClr val="lt1"/>
           </a:fontRef>
         </p:style>
-      </p:cxnSp>
+        <p:txBody>
+          <a:bodyPr rtlCol="0" anchor="ctr"/>
+          <a:lstStyle/>
+          <a:p>
+            <a:pPr algn="ctr"/>
+            <a:endParaRPr lang="en-US"/>
+          </a:p>
+        </p:txBody>
+      </p:sp>
+      <p:sp>
+        <p:nvSpPr>
+          <p:cNvPr id="4" name="TextBox 3">
+            <a:extLst>
+              <a:ext uri="{FF2B5EF4-FFF2-40B4-BE49-F238E27FC236}">
+                <a16:creationId xmlns:a16="http://schemas.microsoft.com/office/drawing/2014/main" id="{DF825E40-6045-AAD7-347C-FFB3F8E3C305}"/>
+              </a:ext>
+            </a:extLst>
+          </p:cNvPr>
+          <p:cNvSpPr txBox="1"/>
+          <p:nvPr/>
+        </p:nvSpPr>
+        <p:spPr>
+          <a:xfrm>
+            <a:off x="5126418" y="552091"/>
+            <a:ext cx="6224335" cy="5431536"/>
+          </a:xfrm>
+          <a:prstGeom prst="rect">
+            <a:avLst/>
+          </a:prstGeom>
+        </p:spPr>
+        <p:txBody>
+          <a:bodyPr vert="horz" lIns="91440" tIns="45720" rIns="91440" bIns="45720" rtlCol="0" anchor="ctr">
+            <a:normAutofit/>
+          </a:bodyPr>
+          <a:lstStyle/>
+          <a:p>
+            <a:pPr>
+              <a:lnSpc>
+                <a:spcPct val="90000"/>
+              </a:lnSpc>
+              <a:spcAft>
+                <a:spcPts val="600"/>
+              </a:spcAft>
+            </a:pPr>
+            <a:r>
+              <a:rPr lang="en-US" sz="3200" dirty="0"/>
+              <a:t>There is no perfect dataset, but at least get a relatively good dataset. Otherwise, you are going to pay the price during the data model stage</a:t>
+            </a:r>
+          </a:p>
+        </p:txBody>
+      </p:sp>
     </p:spTree>
     <p:extLst>
       <p:ext uri="{BB962C8B-B14F-4D97-AF65-F5344CB8AC3E}">

--- a/speech.pptx
+++ b/speech.pptx
@@ -9013,10 +9013,9 @@
           <a:lstStyle/>
           <a:p>
             <a:r>
-              <a:rPr lang="en-US"/>
+              <a:rPr lang="en-US" dirty="0"/>
               <a:t>Lesson Learned</a:t>
             </a:r>
-            <a:endParaRPr lang="en-US" dirty="0"/>
           </a:p>
         </p:txBody>
       </p:sp>
